--- a/img/sponsors/tdm_logo.pptx
+++ b/img/sponsors/tdm_logo.pptx
@@ -104,6 +104,11 @@
       </a:defRPr>
     </a:lvl9pPr>
   </p:defaultTextStyle>
+  <p:extLst>
+    <p:ext uri="{EFAFB233-063F-42B5-8137-9DF3F51BA10A}">
+      <p15:sldGuideLst xmlns:p15="http://schemas.microsoft.com/office/powerpoint/2012/main"/>
+    </p:ext>
+  </p:extLst>
 </p:presentation>
 </file>
 
@@ -254,7 +259,7 @@
           <a:p>
             <a:fld id="{BDFBBC48-72BE-4E2D-A5A9-5C098E04E5A2}" type="datetimeFigureOut">
               <a:rPr lang="en-US" smtClean="0"/>
-              <a:t>5/11/2020</a:t>
+              <a:t>5/15/2020</a:t>
             </a:fld>
             <a:endParaRPr lang="en-US"/>
           </a:p>
@@ -452,7 +457,7 @@
           <a:p>
             <a:fld id="{BDFBBC48-72BE-4E2D-A5A9-5C098E04E5A2}" type="datetimeFigureOut">
               <a:rPr lang="en-US" smtClean="0"/>
-              <a:t>5/11/2020</a:t>
+              <a:t>5/15/2020</a:t>
             </a:fld>
             <a:endParaRPr lang="en-US"/>
           </a:p>
@@ -660,7 +665,7 @@
           <a:p>
             <a:fld id="{BDFBBC48-72BE-4E2D-A5A9-5C098E04E5A2}" type="datetimeFigureOut">
               <a:rPr lang="en-US" smtClean="0"/>
-              <a:t>5/11/2020</a:t>
+              <a:t>5/15/2020</a:t>
             </a:fld>
             <a:endParaRPr lang="en-US"/>
           </a:p>
@@ -858,7 +863,7 @@
           <a:p>
             <a:fld id="{BDFBBC48-72BE-4E2D-A5A9-5C098E04E5A2}" type="datetimeFigureOut">
               <a:rPr lang="en-US" smtClean="0"/>
-              <a:t>5/11/2020</a:t>
+              <a:t>5/15/2020</a:t>
             </a:fld>
             <a:endParaRPr lang="en-US"/>
           </a:p>
@@ -1133,7 +1138,7 @@
           <a:p>
             <a:fld id="{BDFBBC48-72BE-4E2D-A5A9-5C098E04E5A2}" type="datetimeFigureOut">
               <a:rPr lang="en-US" smtClean="0"/>
-              <a:t>5/11/2020</a:t>
+              <a:t>5/15/2020</a:t>
             </a:fld>
             <a:endParaRPr lang="en-US"/>
           </a:p>
@@ -1398,7 +1403,7 @@
           <a:p>
             <a:fld id="{BDFBBC48-72BE-4E2D-A5A9-5C098E04E5A2}" type="datetimeFigureOut">
               <a:rPr lang="en-US" smtClean="0"/>
-              <a:t>5/11/2020</a:t>
+              <a:t>5/15/2020</a:t>
             </a:fld>
             <a:endParaRPr lang="en-US"/>
           </a:p>
@@ -1810,7 +1815,7 @@
           <a:p>
             <a:fld id="{BDFBBC48-72BE-4E2D-A5A9-5C098E04E5A2}" type="datetimeFigureOut">
               <a:rPr lang="en-US" smtClean="0"/>
-              <a:t>5/11/2020</a:t>
+              <a:t>5/15/2020</a:t>
             </a:fld>
             <a:endParaRPr lang="en-US"/>
           </a:p>
@@ -1951,7 +1956,7 @@
           <a:p>
             <a:fld id="{BDFBBC48-72BE-4E2D-A5A9-5C098E04E5A2}" type="datetimeFigureOut">
               <a:rPr lang="en-US" smtClean="0"/>
-              <a:t>5/11/2020</a:t>
+              <a:t>5/15/2020</a:t>
             </a:fld>
             <a:endParaRPr lang="en-US"/>
           </a:p>
@@ -2064,7 +2069,7 @@
           <a:p>
             <a:fld id="{BDFBBC48-72BE-4E2D-A5A9-5C098E04E5A2}" type="datetimeFigureOut">
               <a:rPr lang="en-US" smtClean="0"/>
-              <a:t>5/11/2020</a:t>
+              <a:t>5/15/2020</a:t>
             </a:fld>
             <a:endParaRPr lang="en-US"/>
           </a:p>
@@ -2375,7 +2380,7 @@
           <a:p>
             <a:fld id="{BDFBBC48-72BE-4E2D-A5A9-5C098E04E5A2}" type="datetimeFigureOut">
               <a:rPr lang="en-US" smtClean="0"/>
-              <a:t>5/11/2020</a:t>
+              <a:t>5/15/2020</a:t>
             </a:fld>
             <a:endParaRPr lang="en-US"/>
           </a:p>
@@ -2663,7 +2668,7 @@
           <a:p>
             <a:fld id="{BDFBBC48-72BE-4E2D-A5A9-5C098E04E5A2}" type="datetimeFigureOut">
               <a:rPr lang="en-US" smtClean="0"/>
-              <a:t>5/11/2020</a:t>
+              <a:t>5/15/2020</a:t>
             </a:fld>
             <a:endParaRPr lang="en-US"/>
           </a:p>
@@ -2904,7 +2909,7 @@
           <a:p>
             <a:fld id="{BDFBBC48-72BE-4E2D-A5A9-5C098E04E5A2}" type="datetimeFigureOut">
               <a:rPr lang="en-US" smtClean="0"/>
-              <a:t>5/11/2020</a:t>
+              <a:t>5/15/2020</a:t>
             </a:fld>
             <a:endParaRPr lang="en-US"/>
           </a:p>
@@ -3352,8 +3357,8 @@
         </p:blipFill>
         <p:spPr>
           <a:xfrm>
-            <a:off x="5291234" y="2798783"/>
-            <a:ext cx="1609531" cy="1609531"/>
+            <a:off x="5030724" y="2845437"/>
+            <a:ext cx="2130552" cy="2130552"/>
           </a:xfrm>
           <a:prstGeom prst="rect">
             <a:avLst/>
@@ -3381,8 +3386,8 @@
         </p:nvSpPr>
         <p:spPr>
           <a:xfrm>
-            <a:off x="3044890" y="1875453"/>
-            <a:ext cx="6102220" cy="923330"/>
+            <a:off x="1795380" y="1448282"/>
+            <a:ext cx="8601241" cy="1323439"/>
           </a:xfrm>
           <a:prstGeom prst="rect">
             <a:avLst/>
@@ -3396,7 +3401,7 @@
           <a:lstStyle/>
           <a:p>
             <a:r>
-              <a:rPr lang="en-US" sz="5400" dirty="0">
+              <a:rPr lang="en-US" sz="8000" dirty="0">
                 <a:latin typeface="Centaur" panose="02030504050205020304" pitchFamily="18" charset="0"/>
               </a:rPr>
               <a:t>TD Moving Company</a:t>
